--- a/Оффис үнэлэх аргачлал.pptx
+++ b/Оффис үнэлэх аргачлал.pptx
@@ -251,7 +251,7 @@
           <a:p>
             <a:fld id="{4EF718C3-E382-4342-AE1B-22BBF5C3AB75}" type="datetimeFigureOut">
               <a:rPr lang="en-US" smtClean="0"/>
-              <a:t>7/2/2025</a:t>
+              <a:t>7/3/2025</a:t>
             </a:fld>
             <a:endParaRPr lang="en-US"/>
           </a:p>
@@ -421,7 +421,7 @@
           <a:p>
             <a:fld id="{4EF718C3-E382-4342-AE1B-22BBF5C3AB75}" type="datetimeFigureOut">
               <a:rPr lang="en-US" smtClean="0"/>
-              <a:t>7/2/2025</a:t>
+              <a:t>7/3/2025</a:t>
             </a:fld>
             <a:endParaRPr lang="en-US"/>
           </a:p>
@@ -601,7 +601,7 @@
           <a:p>
             <a:fld id="{4EF718C3-E382-4342-AE1B-22BBF5C3AB75}" type="datetimeFigureOut">
               <a:rPr lang="en-US" smtClean="0"/>
-              <a:t>7/2/2025</a:t>
+              <a:t>7/3/2025</a:t>
             </a:fld>
             <a:endParaRPr lang="en-US"/>
           </a:p>
@@ -771,7 +771,7 @@
           <a:p>
             <a:fld id="{4EF718C3-E382-4342-AE1B-22BBF5C3AB75}" type="datetimeFigureOut">
               <a:rPr lang="en-US" smtClean="0"/>
-              <a:t>7/2/2025</a:t>
+              <a:t>7/3/2025</a:t>
             </a:fld>
             <a:endParaRPr lang="en-US"/>
           </a:p>
@@ -1017,7 +1017,7 @@
           <a:p>
             <a:fld id="{4EF718C3-E382-4342-AE1B-22BBF5C3AB75}" type="datetimeFigureOut">
               <a:rPr lang="en-US" smtClean="0"/>
-              <a:t>7/2/2025</a:t>
+              <a:t>7/3/2025</a:t>
             </a:fld>
             <a:endParaRPr lang="en-US"/>
           </a:p>
@@ -1249,7 +1249,7 @@
           <a:p>
             <a:fld id="{4EF718C3-E382-4342-AE1B-22BBF5C3AB75}" type="datetimeFigureOut">
               <a:rPr lang="en-US" smtClean="0"/>
-              <a:t>7/2/2025</a:t>
+              <a:t>7/3/2025</a:t>
             </a:fld>
             <a:endParaRPr lang="en-US"/>
           </a:p>
@@ -1616,7 +1616,7 @@
           <a:p>
             <a:fld id="{4EF718C3-E382-4342-AE1B-22BBF5C3AB75}" type="datetimeFigureOut">
               <a:rPr lang="en-US" smtClean="0"/>
-              <a:t>7/2/2025</a:t>
+              <a:t>7/3/2025</a:t>
             </a:fld>
             <a:endParaRPr lang="en-US"/>
           </a:p>
@@ -1734,7 +1734,7 @@
           <a:p>
             <a:fld id="{4EF718C3-E382-4342-AE1B-22BBF5C3AB75}" type="datetimeFigureOut">
               <a:rPr lang="en-US" smtClean="0"/>
-              <a:t>7/2/2025</a:t>
+              <a:t>7/3/2025</a:t>
             </a:fld>
             <a:endParaRPr lang="en-US"/>
           </a:p>
@@ -1829,7 +1829,7 @@
           <a:p>
             <a:fld id="{4EF718C3-E382-4342-AE1B-22BBF5C3AB75}" type="datetimeFigureOut">
               <a:rPr lang="en-US" smtClean="0"/>
-              <a:t>7/2/2025</a:t>
+              <a:t>7/3/2025</a:t>
             </a:fld>
             <a:endParaRPr lang="en-US"/>
           </a:p>
@@ -2106,7 +2106,7 @@
           <a:p>
             <a:fld id="{4EF718C3-E382-4342-AE1B-22BBF5C3AB75}" type="datetimeFigureOut">
               <a:rPr lang="en-US" smtClean="0"/>
-              <a:t>7/2/2025</a:t>
+              <a:t>7/3/2025</a:t>
             </a:fld>
             <a:endParaRPr lang="en-US"/>
           </a:p>
@@ -2363,7 +2363,7 @@
           <a:p>
             <a:fld id="{4EF718C3-E382-4342-AE1B-22BBF5C3AB75}" type="datetimeFigureOut">
               <a:rPr lang="en-US" smtClean="0"/>
-              <a:t>7/2/2025</a:t>
+              <a:t>7/3/2025</a:t>
             </a:fld>
             <a:endParaRPr lang="en-US"/>
           </a:p>
@@ -2576,7 +2576,7 @@
           <a:p>
             <a:fld id="{4EF718C3-E382-4342-AE1B-22BBF5C3AB75}" type="datetimeFigureOut">
               <a:rPr lang="en-US" smtClean="0"/>
-              <a:t>7/2/2025</a:t>
+              <a:t>7/3/2025</a:t>
             </a:fld>
             <a:endParaRPr lang="en-US"/>
           </a:p>
